--- a/CityResto.pptx
+++ b/CityResto.pptx
@@ -25,19 +25,20 @@
     <p:sldId id="282" r:id="rId19"/>
     <p:sldId id="283" r:id="rId20"/>
     <p:sldId id="284" r:id="rId21"/>
-    <p:sldId id="285" r:id="rId22"/>
-    <p:sldId id="286" r:id="rId23"/>
-    <p:sldId id="266" r:id="rId24"/>
-    <p:sldId id="267" r:id="rId25"/>
-    <p:sldId id="268" r:id="rId26"/>
-    <p:sldId id="269" r:id="rId27"/>
-    <p:sldId id="288" r:id="rId28"/>
-    <p:sldId id="276" r:id="rId29"/>
-    <p:sldId id="287" r:id="rId30"/>
-    <p:sldId id="277" r:id="rId31"/>
-    <p:sldId id="278" r:id="rId32"/>
-    <p:sldId id="279" r:id="rId33"/>
-    <p:sldId id="280" r:id="rId34"/>
+    <p:sldId id="289" r:id="rId22"/>
+    <p:sldId id="285" r:id="rId23"/>
+    <p:sldId id="286" r:id="rId24"/>
+    <p:sldId id="266" r:id="rId25"/>
+    <p:sldId id="267" r:id="rId26"/>
+    <p:sldId id="268" r:id="rId27"/>
+    <p:sldId id="269" r:id="rId28"/>
+    <p:sldId id="288" r:id="rId29"/>
+    <p:sldId id="276" r:id="rId30"/>
+    <p:sldId id="287" r:id="rId31"/>
+    <p:sldId id="277" r:id="rId32"/>
+    <p:sldId id="278" r:id="rId33"/>
+    <p:sldId id="279" r:id="rId34"/>
+    <p:sldId id="280" r:id="rId35"/>
   </p:sldIdLst>
   <p:sldSz cx="12192000" cy="6858000"/>
   <p:notesSz cx="6858000" cy="9144000"/>
@@ -7521,7 +7522,11 @@
           <a:bodyPr/>
           <a:lstStyle/>
           <a:p>
-            <a:endParaRPr lang="fr-CH"/>
+            <a:r>
+              <a:rPr lang="fr-CH" dirty="0"/>
+              <a:t>Vues Principales</a:t>
+            </a:r>
+            <a:endParaRPr lang="fr-CH" dirty="0"/>
           </a:p>
         </p:txBody>
       </p:sp>
@@ -7836,7 +7841,11 @@
           <a:bodyPr/>
           <a:lstStyle/>
           <a:p>
-            <a:endParaRPr lang="fr-CH"/>
+            <a:r>
+              <a:rPr lang="fr-CH" dirty="0" smtClean="0"/>
+              <a:t>Vues Principales</a:t>
+            </a:r>
+            <a:endParaRPr lang="fr-CH" dirty="0"/>
           </a:p>
         </p:txBody>
       </p:sp>
@@ -8293,7 +8302,11 @@
           <a:bodyPr/>
           <a:lstStyle/>
           <a:p>
-            <a:endParaRPr lang="fr-CH"/>
+            <a:r>
+              <a:rPr lang="fr-CH" dirty="0" smtClean="0"/>
+              <a:t>Onglets </a:t>
+            </a:r>
+            <a:endParaRPr lang="fr-CH" dirty="0"/>
           </a:p>
         </p:txBody>
       </p:sp>
@@ -8782,7 +8795,11 @@
           <a:bodyPr/>
           <a:lstStyle/>
           <a:p>
-            <a:endParaRPr lang="fr-CH"/>
+            <a:r>
+              <a:rPr lang="fr-CH" dirty="0" smtClean="0"/>
+              <a:t>Onglets</a:t>
+            </a:r>
+            <a:endParaRPr lang="fr-CH" dirty="0"/>
           </a:p>
         </p:txBody>
       </p:sp>
@@ -9160,103 +9177,6 @@
           </a:p>
           <a:p>
             <a:endParaRPr lang="fr-CH" dirty="0"/>
-          </a:p>
-        </p:txBody>
-      </p:sp>
-      <p:sp>
-        <p:nvSpPr>
-          <p:cNvPr id="11" name="Rectangle 1"/>
-          <p:cNvSpPr>
-            <a:spLocks noChangeArrowheads="1"/>
-          </p:cNvSpPr>
-          <p:nvPr/>
-        </p:nvSpPr>
-        <p:spPr bwMode="auto">
-          <a:xfrm>
-            <a:off x="0" y="0"/>
-            <a:ext cx="12192000" cy="457200"/>
-          </a:xfrm>
-          <a:prstGeom prst="rect">
-            <a:avLst/>
-          </a:prstGeom>
-          <a:solidFill>
-            <a:srgbClr val="2B2B2B"/>
-          </a:solidFill>
-          <a:ln>
-            <a:noFill/>
-          </a:ln>
-          <a:effectLst/>
-          <a:extLst>
-            <a:ext uri="{91240B29-F687-4F45-9708-019B960494DF}">
-              <a14:hiddenLine xmlns:a14="http://schemas.microsoft.com/office/drawing/2010/main" w="9525">
-                <a:solidFill>
-                  <a:schemeClr val="tx1"/>
-                </a:solidFill>
-                <a:miter lim="800000"/>
-                <a:headEnd/>
-                <a:tailEnd/>
-              </a14:hiddenLine>
-            </a:ext>
-            <a:ext uri="{AF507438-7753-43E0-B8FC-AC1667EBCBE1}">
-              <a14:hiddenEffects xmlns:a14="http://schemas.microsoft.com/office/drawing/2010/main">
-                <a:effectLst>
-                  <a:outerShdw dist="35921" dir="2700000" algn="ctr" rotWithShape="0">
-                    <a:schemeClr val="bg2"/>
-                  </a:outerShdw>
-                </a:effectLst>
-              </a14:hiddenEffects>
-            </a:ext>
-          </a:extLst>
-        </p:spPr>
-        <p:txBody>
-          <a:bodyPr vert="horz" wrap="none" lIns="91440" tIns="45720" rIns="91440" bIns="45720" numCol="1" anchor="ctr" anchorCtr="0" compatLnSpc="1">
-            <a:prstTxWarp prst="textNoShape">
-              <a:avLst/>
-            </a:prstTxWarp>
-            <a:spAutoFit/>
-          </a:bodyPr>
-          <a:lstStyle/>
-          <a:p>
-            <a:pPr marL="0" marR="0" lvl="0" indent="0" algn="l" defTabSz="914400" rtl="0" eaLnBrk="0" fontAlgn="base" latinLnBrk="0" hangingPunct="0">
-              <a:lnSpc>
-                <a:spcPct val="100000"/>
-              </a:lnSpc>
-              <a:spcBef>
-                <a:spcPct val="0"/>
-              </a:spcBef>
-              <a:spcAft>
-                <a:spcPct val="0"/>
-              </a:spcAft>
-              <a:buClrTx/>
-              <a:buSzTx/>
-              <a:buFontTx/>
-              <a:buNone/>
-              <a:tabLst/>
-            </a:pPr>
-            <a:r>
-              <a:rPr kumimoji="0" lang="fr-FR" altLang="fr-FR" sz="900" b="0" i="0" u="none" strike="noStrike" cap="none" normalizeH="0" baseline="0" smtClean="0">
-                <a:ln>
-                  <a:noFill/>
-                </a:ln>
-                <a:solidFill>
-                  <a:srgbClr val="A9B7C6"/>
-                </a:solidFill>
-                <a:effectLst/>
-                <a:latin typeface="Courier New" panose="02070309020205020404" pitchFamily="49" charset="0"/>
-                <a:cs typeface="Courier New" panose="02070309020205020404" pitchFamily="49" charset="0"/>
-              </a:rPr>
-              <a:t>GetPlaceDetail</a:t>
-            </a:r>
-            <a:endParaRPr kumimoji="0" lang="fr-FR" altLang="fr-FR" sz="1800" b="0" i="0" u="none" strike="noStrike" cap="none" normalizeH="0" baseline="0" smtClean="0">
-              <a:ln>
-                <a:noFill/>
-              </a:ln>
-              <a:solidFill>
-                <a:schemeClr val="tx1"/>
-              </a:solidFill>
-              <a:effectLst/>
-              <a:latin typeface="Arial" panose="020B0604020202020204" pitchFamily="34" charset="0"/>
-            </a:endParaRPr>
           </a:p>
         </p:txBody>
       </p:sp>
@@ -9808,7 +9728,11 @@
           <a:bodyPr/>
           <a:lstStyle/>
           <a:p>
-            <a:endParaRPr lang="fr-CH"/>
+            <a:r>
+              <a:rPr lang="fr-CH" dirty="0" smtClean="0"/>
+              <a:t>Stockage des données</a:t>
+            </a:r>
+            <a:endParaRPr lang="fr-CH" dirty="0"/>
           </a:p>
         </p:txBody>
       </p:sp>
@@ -10208,7 +10132,11 @@
           <a:bodyPr/>
           <a:lstStyle/>
           <a:p>
-            <a:endParaRPr lang="fr-CH"/>
+            <a:r>
+              <a:rPr lang="fr-CH" dirty="0" smtClean="0"/>
+              <a:t>Affichage &amp; Stockage</a:t>
+            </a:r>
+            <a:endParaRPr lang="fr-CH" dirty="0"/>
           </a:p>
         </p:txBody>
       </p:sp>
@@ -10527,7 +10455,7 @@
         <p:spPr>
           <a:xfrm>
             <a:off x="2206110" y="4443926"/>
-            <a:ext cx="8610599" cy="646331"/>
+            <a:ext cx="8610599" cy="1200329"/>
           </a:xfrm>
           <a:prstGeom prst="rect">
             <a:avLst/>
@@ -10542,10 +10470,40 @@
           <a:p>
             <a:r>
               <a:rPr lang="fr-CH" dirty="0" smtClean="0"/>
-              <a:t>Classe nommée …</a:t>
-            </a:r>
-          </a:p>
-          <a:p>
+              <a:t>Objets facilitant le traitement des informations de la base de donnée locale</a:t>
+            </a:r>
+            <a:endParaRPr lang="fr-CH" dirty="0" smtClean="0"/>
+          </a:p>
+          <a:p>
+            <a:pPr marL="285750" indent="-285750">
+              <a:buFont typeface="Arial" panose="020B0604020202020204" pitchFamily="34" charset="0"/>
+              <a:buChar char="•"/>
+            </a:pPr>
+            <a:r>
+              <a:rPr lang="fr-CH" dirty="0" err="1" smtClean="0"/>
+              <a:t>Users</a:t>
+            </a:r>
+            <a:endParaRPr lang="fr-CH" dirty="0" smtClean="0"/>
+          </a:p>
+          <a:p>
+            <a:pPr marL="285750" indent="-285750">
+              <a:buFont typeface="Arial" panose="020B0604020202020204" pitchFamily="34" charset="0"/>
+              <a:buChar char="•"/>
+            </a:pPr>
+            <a:r>
+              <a:rPr lang="fr-CH" dirty="0" smtClean="0"/>
+              <a:t>Restaurants</a:t>
+            </a:r>
+          </a:p>
+          <a:p>
+            <a:pPr marL="285750" indent="-285750">
+              <a:buFont typeface="Arial" panose="020B0604020202020204" pitchFamily="34" charset="0"/>
+              <a:buChar char="•"/>
+            </a:pPr>
+            <a:r>
+              <a:rPr lang="fr-CH" dirty="0" smtClean="0"/>
+              <a:t>Restaurant </a:t>
+            </a:r>
             <a:endParaRPr lang="fr-CH" dirty="0"/>
           </a:p>
         </p:txBody>
@@ -10616,7 +10574,7 @@
         <p:spPr/>
         <p:txBody>
           <a:bodyPr>
-            <a:normAutofit fontScale="92500" lnSpcReduction="10000"/>
+            <a:normAutofit fontScale="92500" lnSpcReduction="20000"/>
           </a:bodyPr>
           <a:lstStyle/>
           <a:p>
@@ -10630,20 +10588,11 @@
               <a:rPr lang="fr-CH" dirty="0" smtClean="0"/>
               <a:t>Concepts utilisées</a:t>
             </a:r>
-            <a:endParaRPr lang="fr-CH" dirty="0" smtClean="0"/>
-          </a:p>
-          <a:p>
-            <a:r>
-              <a:rPr lang="fr-CH" dirty="0" smtClean="0"/>
-              <a:t>Hiérarchie du projet (Activités</a:t>
-            </a:r>
-            <a:r>
-              <a:rPr lang="fr-CH" dirty="0" smtClean="0"/>
-              <a:t>, </a:t>
-            </a:r>
-            <a:r>
-              <a:rPr lang="fr-CH" dirty="0" smtClean="0"/>
-              <a:t>classes)</a:t>
+          </a:p>
+          <a:p>
+            <a:r>
+              <a:rPr lang="fr-CH" dirty="0" smtClean="0"/>
+              <a:t>Hiérarchie du projet (Activités, classes)</a:t>
             </a:r>
           </a:p>
           <a:p>
@@ -10657,7 +10606,21 @@
             </a:r>
             <a:r>
               <a:rPr lang="fr-CH" dirty="0" smtClean="0"/>
-              <a:t>/sauvegarde, </a:t>
+              <a:t>/sauvegarde</a:t>
+            </a:r>
+            <a:r>
+              <a:rPr lang="fr-CH" dirty="0" smtClean="0"/>
+              <a:t>,</a:t>
+            </a:r>
+          </a:p>
+          <a:p>
+            <a:r>
+              <a:rPr lang="fr-CH" dirty="0" smtClean="0"/>
+              <a:t>Points clés</a:t>
+            </a:r>
+            <a:r>
+              <a:rPr lang="fr-CH" dirty="0" smtClean="0"/>
+              <a:t> </a:t>
             </a:r>
           </a:p>
           <a:p>
@@ -10667,11 +10630,7 @@
             </a:r>
             <a:r>
               <a:rPr lang="fr-CH" dirty="0" smtClean="0"/>
-              <a:t>de l’application (graphique</a:t>
-            </a:r>
-            <a:r>
-              <a:rPr lang="fr-CH" dirty="0" smtClean="0"/>
-              <a:t>)</a:t>
+              <a:t>de l’application (graphique)</a:t>
             </a:r>
           </a:p>
           <a:p>
@@ -10679,16 +10638,11 @@
               <a:rPr lang="fr-CH" dirty="0" smtClean="0"/>
               <a:t>Conventions de codage</a:t>
             </a:r>
-            <a:endParaRPr lang="fr-CH" dirty="0" smtClean="0"/>
-          </a:p>
-          <a:p>
-            <a:r>
-              <a:rPr lang="fr-CH" dirty="0" smtClean="0"/>
-              <a:t>Problèmes </a:t>
-            </a:r>
-            <a:r>
-              <a:rPr lang="fr-CH" dirty="0" smtClean="0"/>
-              <a:t>rencontrés, état d’avancement, défis</a:t>
+          </a:p>
+          <a:p>
+            <a:r>
+              <a:rPr lang="fr-CH" dirty="0" smtClean="0"/>
+              <a:t>Problèmes rencontrés, état d’avancement, défis</a:t>
             </a:r>
           </a:p>
           <a:p>
@@ -10702,7 +10656,6 @@
               <a:rPr lang="fr-CH" dirty="0" smtClean="0"/>
               <a:t>Remerciements</a:t>
             </a:r>
-            <a:endParaRPr lang="fr-CH" dirty="0" smtClean="0"/>
           </a:p>
           <a:p>
             <a:pPr marL="0" indent="0">
@@ -10763,7 +10716,15 @@
           <a:bodyPr/>
           <a:lstStyle/>
           <a:p>
-            <a:endParaRPr lang="fr-CH"/>
+            <a:r>
+              <a:rPr lang="fr-CH" dirty="0"/>
+              <a:t>Stockage des </a:t>
+            </a:r>
+            <a:r>
+              <a:rPr lang="fr-CH" dirty="0" smtClean="0"/>
+              <a:t>données local &amp; distant</a:t>
+            </a:r>
+            <a:endParaRPr lang="fr-CH" dirty="0"/>
           </a:p>
         </p:txBody>
       </p:sp>
@@ -10863,7 +10824,7 @@
         <p:spPr>
           <a:xfrm>
             <a:off x="2206110" y="4443926"/>
-            <a:ext cx="8610599" cy="646331"/>
+            <a:ext cx="8610599" cy="1200329"/>
           </a:xfrm>
           <a:prstGeom prst="rect">
             <a:avLst/>
@@ -10876,10 +10837,32 @@
           </a:bodyPr>
           <a:lstStyle/>
           <a:p>
-            <a:r>
-              <a:rPr lang="fr-CH" dirty="0" smtClean="0"/>
-              <a:t>Classe nommée …</a:t>
-            </a:r>
+            <a:endParaRPr lang="fr-CH" dirty="0" smtClean="0"/>
+          </a:p>
+          <a:p>
+            <a:pPr marL="285750" indent="-285750">
+              <a:buFont typeface="Arial" panose="020B0604020202020204" pitchFamily="34" charset="0"/>
+              <a:buChar char="•"/>
+            </a:pPr>
+            <a:r>
+              <a:rPr lang="fr-CH" dirty="0" err="1" smtClean="0"/>
+              <a:t>DataHelper</a:t>
+            </a:r>
+            <a:r>
+              <a:rPr lang="fr-CH" dirty="0" smtClean="0"/>
+              <a:t> : Permet de communiquer avec la base de donnée via CRUD</a:t>
+            </a:r>
+          </a:p>
+          <a:p>
+            <a:pPr marL="285750" indent="-285750">
+              <a:buFont typeface="Arial" panose="020B0604020202020204" pitchFamily="34" charset="0"/>
+              <a:buChar char="•"/>
+            </a:pPr>
+            <a:r>
+              <a:rPr lang="fr-CH" dirty="0" smtClean="0"/>
+              <a:t>Data	 : Définitions des tables de la base de données.</a:t>
+            </a:r>
+            <a:endParaRPr lang="fr-CH" dirty="0" smtClean="0"/>
           </a:p>
           <a:p>
             <a:endParaRPr lang="fr-CH" dirty="0"/>
@@ -10908,12 +10891,24 @@
           </a:bodyPr>
           <a:lstStyle/>
           <a:p>
-            <a:r>
-              <a:rPr lang="fr-CH" dirty="0" smtClean="0"/>
-              <a:t>Classe nommée …</a:t>
-            </a:r>
-          </a:p>
-          <a:p>
+            <a:pPr marL="285750" indent="-285750">
+              <a:buFont typeface="Arial" panose="020B0604020202020204" pitchFamily="34" charset="0"/>
+              <a:buChar char="•"/>
+            </a:pPr>
+            <a:r>
+              <a:rPr lang="fr-CH" dirty="0" smtClean="0"/>
+              <a:t>Permet l’ouverture vers une base de donnée MySQL via une connexion JDBC</a:t>
+            </a:r>
+          </a:p>
+          <a:p>
+            <a:pPr marL="285750" indent="-285750">
+              <a:buFont typeface="Arial" panose="020B0604020202020204" pitchFamily="34" charset="0"/>
+              <a:buChar char="•"/>
+            </a:pPr>
+            <a:r>
+              <a:rPr lang="fr-CH" dirty="0" smtClean="0"/>
+              <a:t>Manipulation des </a:t>
+            </a:r>
             <a:endParaRPr lang="fr-CH" dirty="0"/>
           </a:p>
         </p:txBody>
@@ -11050,76 +11045,44 @@
           <a:bodyPr/>
           <a:lstStyle/>
           <a:p>
-            <a:endParaRPr lang="fr-CH"/>
-          </a:p>
-        </p:txBody>
-      </p:sp>
-      <p:sp>
-        <p:nvSpPr>
-          <p:cNvPr id="3" name="Espace réservé du contenu 2"/>
-          <p:cNvSpPr>
-            <a:spLocks noGrp="1"/>
-          </p:cNvSpPr>
+            <a:r>
+              <a:rPr lang="fr-CH" dirty="0" smtClean="0"/>
+              <a:t>Diagramme MySQL</a:t>
+            </a:r>
+            <a:endParaRPr lang="fr-CH" dirty="0"/>
+          </a:p>
+        </p:txBody>
+      </p:sp>
+      <p:pic>
+        <p:nvPicPr>
+          <p:cNvPr id="4" name="Espace réservé du contenu 3"/>
+          <p:cNvPicPr>
+            <a:picLocks noGrp="1" noChangeAspect="1"/>
+          </p:cNvPicPr>
           <p:nvPr>
             <p:ph idx="1"/>
           </p:nvPr>
-        </p:nvSpPr>
-        <p:spPr/>
-        <p:txBody>
-          <a:bodyPr/>
-          <a:lstStyle/>
-          <a:p>
-            <a:pPr marL="0" indent="0">
-              <a:buNone/>
-            </a:pPr>
-            <a:endParaRPr lang="fr-CH" dirty="0" smtClean="0"/>
-          </a:p>
-          <a:p>
-            <a:pPr marL="0" indent="0">
-              <a:buNone/>
-            </a:pPr>
-            <a:endParaRPr lang="fr-CH" dirty="0"/>
-          </a:p>
-          <a:p>
-            <a:pPr marL="0" indent="0">
-              <a:buNone/>
-            </a:pPr>
-            <a:r>
-              <a:rPr lang="fr-CH" dirty="0" smtClean="0"/>
-              <a:t>Dire deux mots sur </a:t>
-            </a:r>
-            <a:r>
-              <a:rPr lang="fr-CH" dirty="0" err="1" smtClean="0"/>
-              <a:t>drawable</a:t>
-            </a:r>
-            <a:r>
-              <a:rPr lang="fr-CH" dirty="0" smtClean="0"/>
-              <a:t> et </a:t>
-            </a:r>
-            <a:r>
-              <a:rPr lang="fr-CH" dirty="0" err="1" smtClean="0"/>
-              <a:t>xml</a:t>
-            </a:r>
-            <a:r>
-              <a:rPr lang="fr-CH" dirty="0" smtClean="0"/>
-              <a:t>, et </a:t>
-            </a:r>
-            <a:r>
-              <a:rPr lang="fr-CH" dirty="0" err="1" smtClean="0"/>
-              <a:t>manifest</a:t>
-            </a:r>
-            <a:r>
-              <a:rPr lang="fr-CH" dirty="0" smtClean="0"/>
-              <a:t> !</a:t>
-            </a:r>
-            <a:endParaRPr lang="fr-CH" dirty="0"/>
-          </a:p>
-        </p:txBody>
-      </p:sp>
+        </p:nvPicPr>
+        <p:blipFill>
+          <a:blip r:embed="rId2"/>
+          <a:stretch>
+            <a:fillRect/>
+          </a:stretch>
+        </p:blipFill>
+        <p:spPr>
+          <a:xfrm>
+            <a:off x="3966223" y="1690688"/>
+            <a:ext cx="4572592" cy="4351338"/>
+          </a:xfrm>
+          <a:prstGeom prst="rect">
+            <a:avLst/>
+          </a:prstGeom>
+        </p:spPr>
+      </p:pic>
     </p:spTree>
     <p:extLst>
       <p:ext uri="{BB962C8B-B14F-4D97-AF65-F5344CB8AC3E}">
-        <p14:creationId xmlns:p14="http://schemas.microsoft.com/office/powerpoint/2010/main" val="593003610"/>
+        <p14:creationId xmlns:p14="http://schemas.microsoft.com/office/powerpoint/2010/main" val="599452259"/>
       </p:ext>
     </p:extLst>
   </p:cSld>
@@ -11180,14 +11143,57 @@
           <a:bodyPr/>
           <a:lstStyle/>
           <a:p>
-            <a:endParaRPr lang="fr-CH"/>
+            <a:pPr marL="0" indent="0">
+              <a:buNone/>
+            </a:pPr>
+            <a:endParaRPr lang="fr-CH" dirty="0" smtClean="0"/>
+          </a:p>
+          <a:p>
+            <a:pPr marL="0" indent="0">
+              <a:buNone/>
+            </a:pPr>
+            <a:endParaRPr lang="fr-CH" dirty="0"/>
+          </a:p>
+          <a:p>
+            <a:pPr marL="0" indent="0">
+              <a:buNone/>
+            </a:pPr>
+            <a:r>
+              <a:rPr lang="fr-CH" dirty="0" smtClean="0"/>
+              <a:t>Dire deux mots sur </a:t>
+            </a:r>
+            <a:r>
+              <a:rPr lang="fr-CH" dirty="0" err="1" smtClean="0"/>
+              <a:t>drawable</a:t>
+            </a:r>
+            <a:r>
+              <a:rPr lang="fr-CH" dirty="0" smtClean="0"/>
+              <a:t> et </a:t>
+            </a:r>
+            <a:r>
+              <a:rPr lang="fr-CH" dirty="0" err="1" smtClean="0"/>
+              <a:t>xml</a:t>
+            </a:r>
+            <a:r>
+              <a:rPr lang="fr-CH" dirty="0" smtClean="0"/>
+              <a:t>, et </a:t>
+            </a:r>
+            <a:r>
+              <a:rPr lang="fr-CH" dirty="0" err="1" smtClean="0"/>
+              <a:t>manifest</a:t>
+            </a:r>
+            <a:r>
+              <a:rPr lang="fr-CH" dirty="0" smtClean="0"/>
+              <a:t> !</a:t>
+            </a:r>
+            <a:endParaRPr lang="fr-CH" dirty="0"/>
           </a:p>
         </p:txBody>
       </p:sp>
     </p:spTree>
     <p:extLst>
       <p:ext uri="{BB962C8B-B14F-4D97-AF65-F5344CB8AC3E}">
-        <p14:creationId xmlns:p14="http://schemas.microsoft.com/office/powerpoint/2010/main" val="2848876110"/>
+        <p14:creationId xmlns:p14="http://schemas.microsoft.com/office/powerpoint/2010/main" val="593003610"/>
       </p:ext>
     </p:extLst>
   </p:cSld>
@@ -11231,7 +11237,7 @@
           <a:p>
             <a:r>
               <a:rPr lang="fr-CH" dirty="0" smtClean="0"/>
-              <a:t>5 Style de l’application</a:t>
+              <a:t>Points clés</a:t>
             </a:r>
             <a:endParaRPr lang="fr-CH" dirty="0"/>
           </a:p>
@@ -11254,162 +11260,32 @@
           <a:p>
             <a:r>
               <a:rPr lang="fr-CH" dirty="0" smtClean="0"/>
-              <a:t>Couleurs blanches et bleues</a:t>
-            </a:r>
-          </a:p>
-          <a:p>
-            <a:r>
-              <a:rPr lang="fr-CH" dirty="0" smtClean="0"/>
-              <a:t>Simple et ergonomique</a:t>
-            </a:r>
-          </a:p>
-          <a:p>
-            <a:r>
-              <a:rPr lang="fr-CH" dirty="0" smtClean="0"/>
-              <a:t>Léger, avec peu d’activités</a:t>
-            </a:r>
-            <a:endParaRPr lang="fr-CH" dirty="0" smtClean="0"/>
-          </a:p>
-          <a:p>
-            <a:r>
-              <a:rPr lang="fr-CH" dirty="0" smtClean="0"/>
-              <a:t>L’utilisateur se déplace </a:t>
-            </a:r>
-          </a:p>
-          <a:p>
-            <a:pPr marL="0" indent="0">
-              <a:buNone/>
-            </a:pPr>
-            <a:r>
-              <a:rPr lang="fr-CH" dirty="0"/>
-              <a:t> </a:t>
-            </a:r>
-            <a:r>
-              <a:rPr lang="fr-CH" dirty="0" smtClean="0"/>
-              <a:t>  </a:t>
-            </a:r>
-            <a:r>
-              <a:rPr lang="fr-CH" dirty="0" smtClean="0"/>
-              <a:t>dans l’application comme </a:t>
-            </a:r>
-          </a:p>
-          <a:p>
-            <a:pPr marL="0" indent="0">
-              <a:buNone/>
-            </a:pPr>
-            <a:r>
-              <a:rPr lang="fr-CH" dirty="0"/>
-              <a:t> </a:t>
-            </a:r>
-            <a:r>
-              <a:rPr lang="fr-CH" dirty="0" smtClean="0"/>
-              <a:t>  </a:t>
-            </a:r>
-            <a:r>
-              <a:rPr lang="fr-CH" dirty="0" smtClean="0"/>
-              <a:t>s’il se déplaçait dans une ville</a:t>
-            </a:r>
-          </a:p>
-          <a:p>
-            <a:pPr marL="0" indent="0">
-              <a:buNone/>
-            </a:pPr>
+              <a:t>Localisation GPS</a:t>
+            </a:r>
+          </a:p>
+          <a:p>
+            <a:r>
+              <a:rPr lang="fr-CH" dirty="0" smtClean="0"/>
+              <a:t>Détection Restaurants</a:t>
+            </a:r>
+          </a:p>
+          <a:p>
+            <a:r>
+              <a:rPr lang="fr-CH" dirty="0" smtClean="0"/>
+              <a:t>BDD Locale </a:t>
+            </a:r>
+            <a:r>
+              <a:rPr lang="fr-CH" smtClean="0"/>
+              <a:t>et distante</a:t>
+            </a:r>
             <a:endParaRPr lang="fr-CH" dirty="0"/>
           </a:p>
         </p:txBody>
       </p:sp>
-      <p:pic>
-        <p:nvPicPr>
-          <p:cNvPr id="4" name="Image 3"/>
-          <p:cNvPicPr>
-            <a:picLocks noChangeAspect="1"/>
-          </p:cNvPicPr>
-          <p:nvPr/>
-        </p:nvPicPr>
-        <p:blipFill>
-          <a:blip r:embed="rId2">
-            <a:extLst>
-              <a:ext uri="{28A0092B-C50C-407E-A947-70E740481C1C}">
-                <a14:useLocalDpi xmlns:a14="http://schemas.microsoft.com/office/drawing/2010/main" val="0"/>
-              </a:ext>
-            </a:extLst>
-          </a:blip>
-          <a:stretch>
-            <a:fillRect/>
-          </a:stretch>
-        </p:blipFill>
-        <p:spPr>
-          <a:xfrm>
-            <a:off x="5816998" y="1690688"/>
-            <a:ext cx="2660536" cy="4380986"/>
-          </a:xfrm>
-          <a:prstGeom prst="rect">
-            <a:avLst/>
-          </a:prstGeom>
-          <a:ln w="38100" cap="sq">
-            <a:solidFill>
-              <a:srgbClr val="000000"/>
-            </a:solidFill>
-            <a:prstDash val="solid"/>
-            <a:miter lim="800000"/>
-          </a:ln>
-          <a:effectLst>
-            <a:outerShdw blurRad="50800" dist="38100" dir="2700000" algn="tl" rotWithShape="0">
-              <a:srgbClr val="000000">
-                <a:alpha val="43000"/>
-              </a:srgbClr>
-            </a:outerShdw>
-          </a:effectLst>
-        </p:spPr>
-      </p:pic>
-      <p:pic>
-        <p:nvPicPr>
-          <p:cNvPr id="5" name="Image 4"/>
-          <p:cNvPicPr>
-            <a:picLocks noChangeAspect="1"/>
-          </p:cNvPicPr>
-          <p:nvPr/>
-        </p:nvPicPr>
-        <p:blipFill>
-          <a:blip r:embed="rId3">
-            <a:extLst>
-              <a:ext uri="{28A0092B-C50C-407E-A947-70E740481C1C}">
-                <a14:useLocalDpi xmlns:a14="http://schemas.microsoft.com/office/drawing/2010/main" val="0"/>
-              </a:ext>
-            </a:extLst>
-          </a:blip>
-          <a:stretch>
-            <a:fillRect/>
-          </a:stretch>
-        </p:blipFill>
-        <p:spPr>
-          <a:xfrm>
-            <a:off x="8938798" y="1376347"/>
-            <a:ext cx="2660536" cy="4380986"/>
-          </a:xfrm>
-          <a:prstGeom prst="rect">
-            <a:avLst/>
-          </a:prstGeom>
-          <a:ln w="38100" cap="sq">
-            <a:solidFill>
-              <a:srgbClr val="000000"/>
-            </a:solidFill>
-            <a:prstDash val="solid"/>
-            <a:miter lim="800000"/>
-          </a:ln>
-          <a:effectLst>
-            <a:outerShdw blurRad="50800" dist="38100" dir="2700000" algn="tl" rotWithShape="0">
-              <a:srgbClr val="000000">
-                <a:alpha val="43000"/>
-              </a:srgbClr>
-            </a:outerShdw>
-          </a:effectLst>
-        </p:spPr>
-      </p:pic>
     </p:spTree>
     <p:extLst>
       <p:ext uri="{BB962C8B-B14F-4D97-AF65-F5344CB8AC3E}">
-        <p14:creationId xmlns:p14="http://schemas.microsoft.com/office/powerpoint/2010/main" val="1205715725"/>
+        <p14:creationId xmlns:p14="http://schemas.microsoft.com/office/powerpoint/2010/main" val="2848876110"/>
       </p:ext>
     </p:extLst>
   </p:cSld>
@@ -11453,7 +11329,7 @@
           <a:p>
             <a:r>
               <a:rPr lang="fr-CH" dirty="0" smtClean="0"/>
-              <a:t>6 Conventions de codage</a:t>
+              <a:t>5 Style de l’application</a:t>
             </a:r>
             <a:endParaRPr lang="fr-CH" dirty="0"/>
           </a:p>
@@ -11476,57 +11352,58 @@
           <a:p>
             <a:r>
               <a:rPr lang="fr-CH" dirty="0" smtClean="0"/>
-              <a:t>Tous les fichiers doivent avoir un préfixe spécifique :</a:t>
-            </a:r>
-          </a:p>
-          <a:p>
-            <a:pPr lvl="1"/>
-            <a:r>
-              <a:rPr lang="fr-CH" dirty="0" err="1" smtClean="0"/>
-              <a:t>Act</a:t>
-            </a:r>
-            <a:r>
-              <a:rPr lang="fr-CH" dirty="0"/>
-              <a:t> </a:t>
-            </a:r>
-            <a:r>
-              <a:rPr lang="fr-CH" dirty="0" smtClean="0"/>
-              <a:t>pour les activités</a:t>
-            </a:r>
-          </a:p>
-          <a:p>
-            <a:pPr lvl="1"/>
-            <a:r>
-              <a:rPr lang="fr-CH" dirty="0" smtClean="0"/>
-              <a:t>Class pour les classes</a:t>
-            </a:r>
-          </a:p>
-          <a:p>
-            <a:pPr lvl="1"/>
-            <a:r>
-              <a:rPr lang="fr-CH" dirty="0" smtClean="0"/>
-              <a:t>Service pour les services</a:t>
-            </a:r>
-          </a:p>
-          <a:p>
-            <a:pPr lvl="1"/>
-            <a:r>
-              <a:rPr lang="fr-CH" dirty="0" err="1" smtClean="0"/>
-              <a:t>Frag</a:t>
-            </a:r>
-            <a:r>
-              <a:rPr lang="fr-CH" dirty="0" smtClean="0"/>
-              <a:t> pour les fragments</a:t>
-            </a:r>
-          </a:p>
-          <a:p>
-            <a:endParaRPr lang="fr-CH" dirty="0"/>
+              <a:t>Couleurs blanches et bleues</a:t>
+            </a:r>
+          </a:p>
+          <a:p>
+            <a:r>
+              <a:rPr lang="fr-CH" dirty="0" smtClean="0"/>
+              <a:t>Simple et ergonomique</a:t>
+            </a:r>
+          </a:p>
+          <a:p>
+            <a:r>
+              <a:rPr lang="fr-CH" dirty="0" smtClean="0"/>
+              <a:t>Léger, avec peu d’activités</a:t>
+            </a:r>
+          </a:p>
+          <a:p>
+            <a:r>
+              <a:rPr lang="fr-CH" dirty="0" smtClean="0"/>
+              <a:t>L’utilisateur se déplace </a:t>
+            </a:r>
           </a:p>
           <a:p>
             <a:pPr marL="0" indent="0">
               <a:buNone/>
             </a:pPr>
-            <a:endParaRPr lang="fr-CH" dirty="0" smtClean="0"/>
+            <a:r>
+              <a:rPr lang="fr-CH" dirty="0"/>
+              <a:t> </a:t>
+            </a:r>
+            <a:r>
+              <a:rPr lang="fr-CH" dirty="0" smtClean="0"/>
+              <a:t>  dans l’application comme </a:t>
+            </a:r>
+          </a:p>
+          <a:p>
+            <a:pPr marL="0" indent="0">
+              <a:buNone/>
+            </a:pPr>
+            <a:r>
+              <a:rPr lang="fr-CH" dirty="0"/>
+              <a:t> </a:t>
+            </a:r>
+            <a:r>
+              <a:rPr lang="fr-CH" dirty="0" smtClean="0"/>
+              <a:t>  s’il se déplaçait dans une ville</a:t>
+            </a:r>
+          </a:p>
+          <a:p>
+            <a:pPr marL="0" indent="0">
+              <a:buNone/>
+            </a:pPr>
+            <a:endParaRPr lang="fr-CH" dirty="0"/>
           </a:p>
         </p:txBody>
       </p:sp>
@@ -11552,19 +11429,67 @@
         </p:blipFill>
         <p:spPr>
           <a:xfrm>
-            <a:off x="6136838" y="2904067"/>
-            <a:ext cx="2879188" cy="3009217"/>
-          </a:xfrm>
-          <a:prstGeom prst="rect">
-            <a:avLst/>
-          </a:prstGeom>
-          <a:ln>
-            <a:noFill/>
+            <a:off x="5816998" y="1690688"/>
+            <a:ext cx="2660536" cy="4380986"/>
+          </a:xfrm>
+          <a:prstGeom prst="rect">
+            <a:avLst/>
+          </a:prstGeom>
+          <a:ln w="38100" cap="sq">
+            <a:solidFill>
+              <a:srgbClr val="000000"/>
+            </a:solidFill>
+            <a:prstDash val="solid"/>
+            <a:miter lim="800000"/>
           </a:ln>
           <a:effectLst>
-            <a:outerShdw blurRad="292100" dist="139700" dir="2700000" algn="tl" rotWithShape="0">
-              <a:srgbClr val="333333">
-                <a:alpha val="65000"/>
+            <a:outerShdw blurRad="50800" dist="38100" dir="2700000" algn="tl" rotWithShape="0">
+              <a:srgbClr val="000000">
+                <a:alpha val="43000"/>
+              </a:srgbClr>
+            </a:outerShdw>
+          </a:effectLst>
+        </p:spPr>
+      </p:pic>
+      <p:pic>
+        <p:nvPicPr>
+          <p:cNvPr id="5" name="Image 4"/>
+          <p:cNvPicPr>
+            <a:picLocks noChangeAspect="1"/>
+          </p:cNvPicPr>
+          <p:nvPr/>
+        </p:nvPicPr>
+        <p:blipFill>
+          <a:blip r:embed="rId3">
+            <a:extLst>
+              <a:ext uri="{28A0092B-C50C-407E-A947-70E740481C1C}">
+                <a14:useLocalDpi xmlns:a14="http://schemas.microsoft.com/office/drawing/2010/main" val="0"/>
+              </a:ext>
+            </a:extLst>
+          </a:blip>
+          <a:stretch>
+            <a:fillRect/>
+          </a:stretch>
+        </p:blipFill>
+        <p:spPr>
+          <a:xfrm>
+            <a:off x="8938798" y="1376347"/>
+            <a:ext cx="2660536" cy="4380986"/>
+          </a:xfrm>
+          <a:prstGeom prst="rect">
+            <a:avLst/>
+          </a:prstGeom>
+          <a:ln w="38100" cap="sq">
+            <a:solidFill>
+              <a:srgbClr val="000000"/>
+            </a:solidFill>
+            <a:prstDash val="solid"/>
+            <a:miter lim="800000"/>
+          </a:ln>
+          <a:effectLst>
+            <a:outerShdw blurRad="50800" dist="38100" dir="2700000" algn="tl" rotWithShape="0">
+              <a:srgbClr val="000000">
+                <a:alpha val="43000"/>
               </a:srgbClr>
             </a:outerShdw>
           </a:effectLst>
@@ -11573,7 +11498,7 @@
     </p:spTree>
     <p:extLst>
       <p:ext uri="{BB962C8B-B14F-4D97-AF65-F5344CB8AC3E}">
-        <p14:creationId xmlns:p14="http://schemas.microsoft.com/office/powerpoint/2010/main" val="1258605125"/>
+        <p14:creationId xmlns:p14="http://schemas.microsoft.com/office/powerpoint/2010/main" val="1205715725"/>
       </p:ext>
     </p:extLst>
   </p:cSld>
@@ -11616,7 +11541,7 @@
           <a:lstStyle/>
           <a:p>
             <a:r>
-              <a:rPr lang="fr-CH" dirty="0"/>
+              <a:rPr lang="fr-CH" dirty="0" smtClean="0"/>
               <a:t>6 Conventions de codage</a:t>
             </a:r>
             <a:endParaRPr lang="fr-CH" dirty="0"/>
@@ -11640,76 +11565,104 @@
           <a:p>
             <a:r>
               <a:rPr lang="fr-CH" dirty="0" smtClean="0"/>
-              <a:t>Les variables sont également précédées d’une lettre caractéristiqu</a:t>
-            </a:r>
-            <a:r>
-              <a:rPr lang="fr-CH" dirty="0" smtClean="0"/>
-              <a:t>e :</a:t>
+              <a:t>Tous les fichiers doivent avoir un préfixe spécifique :</a:t>
             </a:r>
           </a:p>
           <a:p>
             <a:pPr lvl="1"/>
             <a:r>
-              <a:rPr lang="fr-CH" dirty="0" smtClean="0"/>
-              <a:t>l pour locale</a:t>
+              <a:rPr lang="fr-CH" dirty="0" err="1" smtClean="0"/>
+              <a:t>Act</a:t>
+            </a:r>
+            <a:r>
+              <a:rPr lang="fr-CH" dirty="0"/>
+              <a:t> </a:t>
+            </a:r>
+            <a:r>
+              <a:rPr lang="fr-CH" dirty="0" smtClean="0"/>
+              <a:t>pour les activités</a:t>
             </a:r>
           </a:p>
           <a:p>
             <a:pPr lvl="1"/>
             <a:r>
               <a:rPr lang="fr-CH" dirty="0" smtClean="0"/>
-              <a:t>m pour membre</a:t>
+              <a:t>Class pour les classes</a:t>
             </a:r>
           </a:p>
           <a:p>
             <a:pPr lvl="1"/>
             <a:r>
               <a:rPr lang="fr-CH" dirty="0" smtClean="0"/>
-              <a:t>Tv pour les </a:t>
-            </a:r>
+              <a:t>Service pour les services</a:t>
+            </a:r>
+          </a:p>
+          <a:p>
+            <a:pPr lvl="1"/>
             <a:r>
               <a:rPr lang="fr-CH" dirty="0" err="1" smtClean="0"/>
-              <a:t>TextViews</a:t>
-            </a:r>
+              <a:t>Frag</a:t>
+            </a:r>
+            <a:r>
+              <a:rPr lang="fr-CH" dirty="0" smtClean="0"/>
+              <a:t> pour les fragments</a:t>
+            </a:r>
+          </a:p>
+          <a:p>
+            <a:endParaRPr lang="fr-CH" dirty="0"/>
+          </a:p>
+          <a:p>
+            <a:pPr marL="0" indent="0">
+              <a:buNone/>
+            </a:pPr>
             <a:endParaRPr lang="fr-CH" dirty="0" smtClean="0"/>
           </a:p>
-          <a:p>
-            <a:pPr lvl="1"/>
-            <a:r>
-              <a:rPr lang="fr-CH" dirty="0" err="1" smtClean="0"/>
-              <a:t>Btn</a:t>
-            </a:r>
-            <a:r>
-              <a:rPr lang="fr-CH" dirty="0" smtClean="0"/>
-              <a:t> pour les boutons</a:t>
-            </a:r>
-          </a:p>
-          <a:p>
-            <a:pPr lvl="1"/>
-            <a:r>
-              <a:rPr lang="fr-CH" dirty="0" smtClean="0"/>
-              <a:t>Cb pour les </a:t>
-            </a:r>
-            <a:r>
-              <a:rPr lang="fr-CH" dirty="0" err="1" smtClean="0"/>
-              <a:t>checkboxes</a:t>
-            </a:r>
-            <a:endParaRPr lang="fr-CH" dirty="0" smtClean="0"/>
-          </a:p>
-          <a:p>
-            <a:pPr lvl="1"/>
-            <a:r>
-              <a:rPr lang="fr-CH" dirty="0" smtClean="0"/>
-              <a:t>Etc.</a:t>
-            </a:r>
-            <a:endParaRPr lang="fr-CH" dirty="0"/>
-          </a:p>
-        </p:txBody>
-      </p:sp>
+        </p:txBody>
+      </p:sp>
+      <p:pic>
+        <p:nvPicPr>
+          <p:cNvPr id="4" name="Image 3"/>
+          <p:cNvPicPr>
+            <a:picLocks noChangeAspect="1"/>
+          </p:cNvPicPr>
+          <p:nvPr/>
+        </p:nvPicPr>
+        <p:blipFill>
+          <a:blip r:embed="rId2">
+            <a:extLst>
+              <a:ext uri="{28A0092B-C50C-407E-A947-70E740481C1C}">
+                <a14:useLocalDpi xmlns:a14="http://schemas.microsoft.com/office/drawing/2010/main" val="0"/>
+              </a:ext>
+            </a:extLst>
+          </a:blip>
+          <a:stretch>
+            <a:fillRect/>
+          </a:stretch>
+        </p:blipFill>
+        <p:spPr>
+          <a:xfrm>
+            <a:off x="6136838" y="2904067"/>
+            <a:ext cx="2879188" cy="3009217"/>
+          </a:xfrm>
+          <a:prstGeom prst="rect">
+            <a:avLst/>
+          </a:prstGeom>
+          <a:ln>
+            <a:noFill/>
+          </a:ln>
+          <a:effectLst>
+            <a:outerShdw blurRad="292100" dist="139700" dir="2700000" algn="tl" rotWithShape="0">
+              <a:srgbClr val="333333">
+                <a:alpha val="65000"/>
+              </a:srgbClr>
+            </a:outerShdw>
+          </a:effectLst>
+        </p:spPr>
+      </p:pic>
     </p:spTree>
     <p:extLst>
       <p:ext uri="{BB962C8B-B14F-4D97-AF65-F5344CB8AC3E}">
-        <p14:creationId xmlns:p14="http://schemas.microsoft.com/office/powerpoint/2010/main" val="1554501501"/>
+        <p14:creationId xmlns:p14="http://schemas.microsoft.com/office/powerpoint/2010/main" val="1258605125"/>
       </p:ext>
     </p:extLst>
   </p:cSld>
@@ -11752,10 +11705,9 @@
           <a:lstStyle/>
           <a:p>
             <a:r>
-              <a:rPr lang="fr-CH" dirty="0" smtClean="0"/>
-              <a:t>6 Convention de codage</a:t>
-            </a:r>
-            <a:endParaRPr lang="fr-CH" dirty="0"/>
+              <a:rPr lang="fr-CH" dirty="0"/>
+              <a:t>6 Conventions de codage</a:t>
+            </a:r>
           </a:p>
         </p:txBody>
       </p:sp>
@@ -11776,58 +11728,72 @@
           <a:p>
             <a:r>
               <a:rPr lang="fr-CH" dirty="0" smtClean="0"/>
-              <a:t>Les Strings à afficher doivent être rassemblés autant que possible dans le fichier String.xml</a:t>
-            </a:r>
-          </a:p>
-          <a:p>
+              <a:t>Les variables sont également précédées d’une lettre caractéristique :</a:t>
+            </a:r>
+          </a:p>
+          <a:p>
+            <a:pPr lvl="1"/>
+            <a:r>
+              <a:rPr lang="fr-CH" dirty="0" smtClean="0"/>
+              <a:t>l pour locale</a:t>
+            </a:r>
+          </a:p>
+          <a:p>
+            <a:pPr lvl="1"/>
+            <a:r>
+              <a:rPr lang="fr-CH" dirty="0" smtClean="0"/>
+              <a:t>m pour membre</a:t>
+            </a:r>
+          </a:p>
+          <a:p>
+            <a:pPr lvl="1"/>
+            <a:r>
+              <a:rPr lang="fr-CH" dirty="0" smtClean="0"/>
+              <a:t>Tv pour les </a:t>
+            </a:r>
+            <a:r>
+              <a:rPr lang="fr-CH" dirty="0" err="1" smtClean="0"/>
+              <a:t>TextViews</a:t>
+            </a:r>
             <a:endParaRPr lang="fr-CH" dirty="0" smtClean="0"/>
           </a:p>
-        </p:txBody>
-      </p:sp>
-      <p:pic>
-        <p:nvPicPr>
-          <p:cNvPr id="4" name="Image 3"/>
-          <p:cNvPicPr>
-            <a:picLocks noChangeAspect="1"/>
-          </p:cNvPicPr>
-          <p:nvPr/>
-        </p:nvPicPr>
-        <p:blipFill>
-          <a:blip r:embed="rId2">
-            <a:extLst>
-              <a:ext uri="{28A0092B-C50C-407E-A947-70E740481C1C}">
-                <a14:useLocalDpi xmlns:a14="http://schemas.microsoft.com/office/drawing/2010/main" val="0"/>
-              </a:ext>
-            </a:extLst>
-          </a:blip>
-          <a:stretch>
-            <a:fillRect/>
-          </a:stretch>
-        </p:blipFill>
-        <p:spPr>
-          <a:xfrm>
-            <a:off x="3275712" y="3127712"/>
-            <a:ext cx="5115639" cy="2753109"/>
-          </a:xfrm>
-          <a:prstGeom prst="rect">
-            <a:avLst/>
-          </a:prstGeom>
-          <a:ln>
-            <a:noFill/>
-          </a:ln>
-          <a:effectLst>
-            <a:outerShdw blurRad="292100" dist="139700" dir="2700000" algn="tl" rotWithShape="0">
-              <a:srgbClr val="333333">
-                <a:alpha val="65000"/>
-              </a:srgbClr>
-            </a:outerShdw>
-          </a:effectLst>
-        </p:spPr>
-      </p:pic>
+          <a:p>
+            <a:pPr lvl="1"/>
+            <a:r>
+              <a:rPr lang="fr-CH" dirty="0" err="1" smtClean="0"/>
+              <a:t>Btn</a:t>
+            </a:r>
+            <a:r>
+              <a:rPr lang="fr-CH" dirty="0" smtClean="0"/>
+              <a:t> pour les boutons</a:t>
+            </a:r>
+          </a:p>
+          <a:p>
+            <a:pPr lvl="1"/>
+            <a:r>
+              <a:rPr lang="fr-CH" dirty="0" smtClean="0"/>
+              <a:t>Cb pour les </a:t>
+            </a:r>
+            <a:r>
+              <a:rPr lang="fr-CH" dirty="0" err="1" smtClean="0"/>
+              <a:t>checkboxes</a:t>
+            </a:r>
+            <a:endParaRPr lang="fr-CH" dirty="0" smtClean="0"/>
+          </a:p>
+          <a:p>
+            <a:pPr lvl="1"/>
+            <a:r>
+              <a:rPr lang="fr-CH" dirty="0" smtClean="0"/>
+              <a:t>Etc.</a:t>
+            </a:r>
+            <a:endParaRPr lang="fr-CH" dirty="0"/>
+          </a:p>
+        </p:txBody>
+      </p:sp>
     </p:spTree>
     <p:extLst>
       <p:ext uri="{BB962C8B-B14F-4D97-AF65-F5344CB8AC3E}">
-        <p14:creationId xmlns:p14="http://schemas.microsoft.com/office/powerpoint/2010/main" val="3681277489"/>
+        <p14:creationId xmlns:p14="http://schemas.microsoft.com/office/powerpoint/2010/main" val="1554501501"/>
       </p:ext>
     </p:extLst>
   </p:cSld>
@@ -11871,7 +11837,7 @@
           <a:p>
             <a:r>
               <a:rPr lang="fr-CH" dirty="0" smtClean="0"/>
-              <a:t>Répartition du travail</a:t>
+              <a:t>6 Convention de codage</a:t>
             </a:r>
             <a:endParaRPr lang="fr-CH" dirty="0"/>
           </a:p>
@@ -11892,14 +11858,60 @@
           <a:bodyPr/>
           <a:lstStyle/>
           <a:p>
-            <a:endParaRPr lang="fr-CH"/>
-          </a:p>
-        </p:txBody>
-      </p:sp>
+            <a:r>
+              <a:rPr lang="fr-CH" dirty="0" smtClean="0"/>
+              <a:t>Les Strings à afficher doivent être rassemblés autant que possible dans le fichier String.xml</a:t>
+            </a:r>
+          </a:p>
+          <a:p>
+            <a:endParaRPr lang="fr-CH" dirty="0" smtClean="0"/>
+          </a:p>
+        </p:txBody>
+      </p:sp>
+      <p:pic>
+        <p:nvPicPr>
+          <p:cNvPr id="4" name="Image 3"/>
+          <p:cNvPicPr>
+            <a:picLocks noChangeAspect="1"/>
+          </p:cNvPicPr>
+          <p:nvPr/>
+        </p:nvPicPr>
+        <p:blipFill>
+          <a:blip r:embed="rId2">
+            <a:extLst>
+              <a:ext uri="{28A0092B-C50C-407E-A947-70E740481C1C}">
+                <a14:useLocalDpi xmlns:a14="http://schemas.microsoft.com/office/drawing/2010/main" val="0"/>
+              </a:ext>
+            </a:extLst>
+          </a:blip>
+          <a:stretch>
+            <a:fillRect/>
+          </a:stretch>
+        </p:blipFill>
+        <p:spPr>
+          <a:xfrm>
+            <a:off x="3275712" y="3127712"/>
+            <a:ext cx="5115639" cy="2753109"/>
+          </a:xfrm>
+          <a:prstGeom prst="rect">
+            <a:avLst/>
+          </a:prstGeom>
+          <a:ln>
+            <a:noFill/>
+          </a:ln>
+          <a:effectLst>
+            <a:outerShdw blurRad="292100" dist="139700" dir="2700000" algn="tl" rotWithShape="0">
+              <a:srgbClr val="333333">
+                <a:alpha val="65000"/>
+              </a:srgbClr>
+            </a:outerShdw>
+          </a:effectLst>
+        </p:spPr>
+      </p:pic>
     </p:spTree>
     <p:extLst>
       <p:ext uri="{BB962C8B-B14F-4D97-AF65-F5344CB8AC3E}">
-        <p14:creationId xmlns:p14="http://schemas.microsoft.com/office/powerpoint/2010/main" val="2451146910"/>
+        <p14:creationId xmlns:p14="http://schemas.microsoft.com/office/powerpoint/2010/main" val="3681277489"/>
       </p:ext>
     </p:extLst>
   </p:cSld>
@@ -11943,7 +11955,7 @@
           <a:p>
             <a:r>
               <a:rPr lang="fr-CH" dirty="0" smtClean="0"/>
-              <a:t>8 Défis et problèmes rencontrés</a:t>
+              <a:t>Répartition du travail</a:t>
             </a:r>
             <a:endParaRPr lang="fr-CH" dirty="0"/>
           </a:p>
@@ -11959,42 +11971,19 @@
             <p:ph idx="1"/>
           </p:nvPr>
         </p:nvSpPr>
-        <p:spPr>
-          <a:xfrm>
-            <a:off x="838200" y="1825625"/>
-            <a:ext cx="6764867" cy="4351338"/>
-          </a:xfrm>
-        </p:spPr>
+        <p:spPr/>
         <p:txBody>
           <a:bodyPr/>
           <a:lstStyle/>
           <a:p>
-            <a:r>
-              <a:rPr lang="fr-CH" dirty="0" smtClean="0"/>
-              <a:t>Gestion de base de données</a:t>
-            </a:r>
-          </a:p>
-          <a:p>
-            <a:r>
-              <a:rPr lang="fr-CH" dirty="0" smtClean="0"/>
-              <a:t>Obtention des restaurants (Places)</a:t>
-            </a:r>
-          </a:p>
-          <a:p>
-            <a:r>
-              <a:rPr lang="fr-CH" dirty="0" smtClean="0"/>
-              <a:t>Téléchargements et utilisation des images avec une faible consommation</a:t>
-            </a:r>
-          </a:p>
-          <a:p>
-            <a:endParaRPr lang="fr-CH" dirty="0"/>
+            <a:endParaRPr lang="fr-CH"/>
           </a:p>
         </p:txBody>
       </p:sp>
     </p:spTree>
     <p:extLst>
       <p:ext uri="{BB962C8B-B14F-4D97-AF65-F5344CB8AC3E}">
-        <p14:creationId xmlns:p14="http://schemas.microsoft.com/office/powerpoint/2010/main" val="769099071"/>
+        <p14:creationId xmlns:p14="http://schemas.microsoft.com/office/powerpoint/2010/main" val="2451146910"/>
       </p:ext>
     </p:extLst>
   </p:cSld>
@@ -12038,7 +12027,7 @@
           <a:p>
             <a:r>
               <a:rPr lang="fr-CH" dirty="0" smtClean="0"/>
-              <a:t>Etat d’avancement</a:t>
+              <a:t>8 Défis et problèmes rencontrés</a:t>
             </a:r>
             <a:endParaRPr lang="fr-CH" dirty="0"/>
           </a:p>
@@ -12054,19 +12043,42 @@
             <p:ph idx="1"/>
           </p:nvPr>
         </p:nvSpPr>
-        <p:spPr/>
+        <p:spPr>
+          <a:xfrm>
+            <a:off x="838200" y="1825625"/>
+            <a:ext cx="6764867" cy="4351338"/>
+          </a:xfrm>
+        </p:spPr>
         <p:txBody>
           <a:bodyPr/>
           <a:lstStyle/>
           <a:p>
-            <a:endParaRPr lang="fr-CH"/>
+            <a:r>
+              <a:rPr lang="fr-CH" dirty="0" smtClean="0"/>
+              <a:t>Gestion de base de données</a:t>
+            </a:r>
+          </a:p>
+          <a:p>
+            <a:r>
+              <a:rPr lang="fr-CH" dirty="0" smtClean="0"/>
+              <a:t>Obtention des restaurants (Places)</a:t>
+            </a:r>
+          </a:p>
+          <a:p>
+            <a:r>
+              <a:rPr lang="fr-CH" dirty="0" smtClean="0"/>
+              <a:t>Téléchargements et utilisation des images avec une faible consommation</a:t>
+            </a:r>
+          </a:p>
+          <a:p>
+            <a:endParaRPr lang="fr-CH" dirty="0"/>
           </a:p>
         </p:txBody>
       </p:sp>
     </p:spTree>
     <p:extLst>
       <p:ext uri="{BB962C8B-B14F-4D97-AF65-F5344CB8AC3E}">
-        <p14:creationId xmlns:p14="http://schemas.microsoft.com/office/powerpoint/2010/main" val="3531198373"/>
+        <p14:creationId xmlns:p14="http://schemas.microsoft.com/office/powerpoint/2010/main" val="769099071"/>
       </p:ext>
     </p:extLst>
   </p:cSld>
@@ -12140,17 +12152,8 @@
             </a:r>
             <a:r>
               <a:rPr lang="fr-CH" dirty="0" smtClean="0"/>
-              <a:t> est une application Android qui permet </a:t>
-            </a:r>
-            <a:r>
-              <a:rPr lang="fr-CH" dirty="0" smtClean="0"/>
-              <a:t>de savoir quels restaurants se trouvent aux </a:t>
-            </a:r>
-            <a:r>
-              <a:rPr lang="fr-CH" dirty="0" smtClean="0"/>
-              <a:t>alentours de l’utilisateur.</a:t>
-            </a:r>
-            <a:endParaRPr lang="fr-CH" dirty="0" smtClean="0"/>
+              <a:t> est une application Android qui permet de savoir quels restaurants se trouvent aux alentours de l’utilisateur.</a:t>
+            </a:r>
           </a:p>
           <a:p>
             <a:pPr marL="0" indent="0">
@@ -12158,12 +12161,18 @@
             </a:pPr>
             <a:r>
               <a:rPr lang="fr-CH" dirty="0" smtClean="0"/>
-              <a:t>C’est </a:t>
-            </a:r>
-            <a:r>
-              <a:rPr lang="fr-CH" dirty="0" smtClean="0"/>
-              <a:t>une application simple d’utilisation, mais qui nécessite beaucoup d’éléments lors de sa réalisation.</a:t>
-            </a:r>
+              <a:t>C’est une application simple d’utilisation, mais qui nécessite beaucoup d’éléments lors de sa réalisation</a:t>
+            </a:r>
+            <a:r>
+              <a:rPr lang="fr-CH" dirty="0" smtClean="0"/>
+              <a:t>.</a:t>
+            </a:r>
+          </a:p>
+          <a:p>
+            <a:pPr marL="0" indent="0">
+              <a:buNone/>
+            </a:pPr>
+            <a:endParaRPr lang="fr-CH" dirty="0" smtClean="0"/>
           </a:p>
           <a:p>
             <a:pPr marL="0" indent="0">
@@ -12220,7 +12229,7 @@
           <a:p>
             <a:r>
               <a:rPr lang="fr-CH" dirty="0" smtClean="0"/>
-              <a:t>9 Conclusion</a:t>
+              <a:t>Etat d’avancement</a:t>
             </a:r>
             <a:endParaRPr lang="fr-CH" dirty="0"/>
           </a:p>
@@ -12248,7 +12257,7 @@
     </p:spTree>
     <p:extLst>
       <p:ext uri="{BB962C8B-B14F-4D97-AF65-F5344CB8AC3E}">
-        <p14:creationId xmlns:p14="http://schemas.microsoft.com/office/powerpoint/2010/main" val="882273128"/>
+        <p14:creationId xmlns:p14="http://schemas.microsoft.com/office/powerpoint/2010/main" val="3531198373"/>
       </p:ext>
     </p:extLst>
   </p:cSld>
@@ -12292,7 +12301,7 @@
           <a:p>
             <a:r>
               <a:rPr lang="fr-CH" dirty="0" smtClean="0"/>
-              <a:t>9 Remerciements</a:t>
+              <a:t>9 Conclusion</a:t>
             </a:r>
             <a:endParaRPr lang="fr-CH" dirty="0"/>
           </a:p>
@@ -12320,7 +12329,7 @@
     </p:spTree>
     <p:extLst>
       <p:ext uri="{BB962C8B-B14F-4D97-AF65-F5344CB8AC3E}">
-        <p14:creationId xmlns:p14="http://schemas.microsoft.com/office/powerpoint/2010/main" val="3411649153"/>
+        <p14:creationId xmlns:p14="http://schemas.microsoft.com/office/powerpoint/2010/main" val="882273128"/>
       </p:ext>
     </p:extLst>
   </p:cSld>
@@ -12362,6 +12371,78 @@
           <a:bodyPr/>
           <a:lstStyle/>
           <a:p>
+            <a:r>
+              <a:rPr lang="fr-CH" dirty="0" smtClean="0"/>
+              <a:t>9 Remerciements</a:t>
+            </a:r>
+            <a:endParaRPr lang="fr-CH" dirty="0"/>
+          </a:p>
+        </p:txBody>
+      </p:sp>
+      <p:sp>
+        <p:nvSpPr>
+          <p:cNvPr id="3" name="Espace réservé du contenu 2"/>
+          <p:cNvSpPr>
+            <a:spLocks noGrp="1"/>
+          </p:cNvSpPr>
+          <p:nvPr>
+            <p:ph idx="1"/>
+          </p:nvPr>
+        </p:nvSpPr>
+        <p:spPr/>
+        <p:txBody>
+          <a:bodyPr/>
+          <a:lstStyle/>
+          <a:p>
+            <a:endParaRPr lang="fr-CH"/>
+          </a:p>
+        </p:txBody>
+      </p:sp>
+    </p:spTree>
+    <p:extLst>
+      <p:ext uri="{BB962C8B-B14F-4D97-AF65-F5344CB8AC3E}">
+        <p14:creationId xmlns:p14="http://schemas.microsoft.com/office/powerpoint/2010/main" val="3411649153"/>
+      </p:ext>
+    </p:extLst>
+  </p:cSld>
+  <p:clrMapOvr>
+    <a:masterClrMapping/>
+  </p:clrMapOvr>
+</p:sld>
+</file>
+
+<file path=ppt/slides/slide33.xml><?xml version="1.0" encoding="utf-8"?>
+<p:sld xmlns:a="http://schemas.openxmlformats.org/drawingml/2006/main" xmlns:r="http://schemas.openxmlformats.org/officeDocument/2006/relationships" xmlns:p="http://schemas.openxmlformats.org/presentationml/2006/main">
+  <p:cSld>
+    <p:spTree>
+      <p:nvGrpSpPr>
+        <p:cNvPr id="1" name=""/>
+        <p:cNvGrpSpPr/>
+        <p:nvPr/>
+      </p:nvGrpSpPr>
+      <p:grpSpPr>
+        <a:xfrm>
+          <a:off x="0" y="0"/>
+          <a:ext cx="0" cy="0"/>
+          <a:chOff x="0" y="0"/>
+          <a:chExt cx="0" cy="0"/>
+        </a:xfrm>
+      </p:grpSpPr>
+      <p:sp>
+        <p:nvSpPr>
+          <p:cNvPr id="2" name="Titre 1"/>
+          <p:cNvSpPr>
+            <a:spLocks noGrp="1"/>
+          </p:cNvSpPr>
+          <p:nvPr>
+            <p:ph type="title"/>
+          </p:nvPr>
+        </p:nvSpPr>
+        <p:spPr/>
+        <p:txBody>
+          <a:bodyPr/>
+          <a:lstStyle/>
+          <a:p>
             <a:endParaRPr lang="fr-CH"/>
           </a:p>
         </p:txBody>
@@ -12398,7 +12479,7 @@
 </p:sld>
 </file>
 
-<file path=ppt/slides/slide33.xml><?xml version="1.0" encoding="utf-8"?>
+<file path=ppt/slides/slide34.xml><?xml version="1.0" encoding="utf-8"?>
 <p:sld xmlns:a="http://schemas.openxmlformats.org/drawingml/2006/main" xmlns:r="http://schemas.openxmlformats.org/officeDocument/2006/relationships" xmlns:p="http://schemas.openxmlformats.org/presentationml/2006/main">
   <p:cSld>
     <p:spTree>
@@ -12500,11 +12581,7 @@
           <a:p>
             <a:r>
               <a:rPr lang="fr-CH" dirty="0" smtClean="0"/>
-              <a:t>2 </a:t>
-            </a:r>
-            <a:r>
-              <a:rPr lang="fr-CH" dirty="0" smtClean="0"/>
-              <a:t>Concepts utilisées</a:t>
+              <a:t>2 Concepts utilisées</a:t>
             </a:r>
             <a:endParaRPr lang="fr-CH" dirty="0"/>
           </a:p>
@@ -12578,13 +12655,8 @@
             </a:pPr>
             <a:r>
               <a:rPr lang="fr-CH" dirty="0" smtClean="0"/>
-              <a:t>Google </a:t>
-            </a:r>
-            <a:r>
-              <a:rPr lang="fr-CH" dirty="0" smtClean="0"/>
-              <a:t>Place</a:t>
-            </a:r>
-            <a:endParaRPr lang="fr-CH" dirty="0" smtClean="0"/>
+              <a:t>Google Place</a:t>
+            </a:r>
           </a:p>
         </p:txBody>
       </p:sp>
@@ -12823,7 +12895,6 @@
               <a:rPr lang="fr-CH" dirty="0" smtClean="0"/>
               <a:t>Adapter</a:t>
             </a:r>
-            <a:endParaRPr lang="fr-CH" dirty="0" smtClean="0"/>
           </a:p>
         </p:txBody>
       </p:sp>
